--- a/Assets/Docs/PowerPoints/Class Diagrams.pptx
+++ b/Assets/Docs/PowerPoints/Class Diagrams.pptx
@@ -107,6 +107,11 @@
       </a:defRPr>
     </a:lvl9pPr>
   </p:defaultTextStyle>
+  <p:extLst>
+    <p:ext uri="{EFAFB233-063F-42B5-8137-9DF3F51BA10A}">
+      <p15:sldGuideLst xmlns:p15="http://schemas.microsoft.com/office/powerpoint/2012/main"/>
+    </p:ext>
+  </p:extLst>
 </p:presentation>
 </file>
 
@@ -257,7 +262,7 @@
           <a:p>
             <a:fld id="{5EE91593-29BB-496B-965A-ADBF9B60A11F}" type="datetimeFigureOut">
               <a:rPr lang="en-US" smtClean="0"/>
-              <a:t>1/22/2025</a:t>
+              <a:t>1/24/2025</a:t>
             </a:fld>
             <a:endParaRPr lang="en-US"/>
           </a:p>
@@ -455,7 +460,7 @@
           <a:p>
             <a:fld id="{5EE91593-29BB-496B-965A-ADBF9B60A11F}" type="datetimeFigureOut">
               <a:rPr lang="en-US" smtClean="0"/>
-              <a:t>1/22/2025</a:t>
+              <a:t>1/24/2025</a:t>
             </a:fld>
             <a:endParaRPr lang="en-US"/>
           </a:p>
@@ -663,7 +668,7 @@
           <a:p>
             <a:fld id="{5EE91593-29BB-496B-965A-ADBF9B60A11F}" type="datetimeFigureOut">
               <a:rPr lang="en-US" smtClean="0"/>
-              <a:t>1/22/2025</a:t>
+              <a:t>1/24/2025</a:t>
             </a:fld>
             <a:endParaRPr lang="en-US"/>
           </a:p>
@@ -861,7 +866,7 @@
           <a:p>
             <a:fld id="{5EE91593-29BB-496B-965A-ADBF9B60A11F}" type="datetimeFigureOut">
               <a:rPr lang="en-US" smtClean="0"/>
-              <a:t>1/22/2025</a:t>
+              <a:t>1/24/2025</a:t>
             </a:fld>
             <a:endParaRPr lang="en-US"/>
           </a:p>
@@ -1136,7 +1141,7 @@
           <a:p>
             <a:fld id="{5EE91593-29BB-496B-965A-ADBF9B60A11F}" type="datetimeFigureOut">
               <a:rPr lang="en-US" smtClean="0"/>
-              <a:t>1/22/2025</a:t>
+              <a:t>1/24/2025</a:t>
             </a:fld>
             <a:endParaRPr lang="en-US"/>
           </a:p>
@@ -1401,7 +1406,7 @@
           <a:p>
             <a:fld id="{5EE91593-29BB-496B-965A-ADBF9B60A11F}" type="datetimeFigureOut">
               <a:rPr lang="en-US" smtClean="0"/>
-              <a:t>1/22/2025</a:t>
+              <a:t>1/24/2025</a:t>
             </a:fld>
             <a:endParaRPr lang="en-US"/>
           </a:p>
@@ -1813,7 +1818,7 @@
           <a:p>
             <a:fld id="{5EE91593-29BB-496B-965A-ADBF9B60A11F}" type="datetimeFigureOut">
               <a:rPr lang="en-US" smtClean="0"/>
-              <a:t>1/22/2025</a:t>
+              <a:t>1/24/2025</a:t>
             </a:fld>
             <a:endParaRPr lang="en-US"/>
           </a:p>
@@ -1954,7 +1959,7 @@
           <a:p>
             <a:fld id="{5EE91593-29BB-496B-965A-ADBF9B60A11F}" type="datetimeFigureOut">
               <a:rPr lang="en-US" smtClean="0"/>
-              <a:t>1/22/2025</a:t>
+              <a:t>1/24/2025</a:t>
             </a:fld>
             <a:endParaRPr lang="en-US"/>
           </a:p>
@@ -2067,7 +2072,7 @@
           <a:p>
             <a:fld id="{5EE91593-29BB-496B-965A-ADBF9B60A11F}" type="datetimeFigureOut">
               <a:rPr lang="en-US" smtClean="0"/>
-              <a:t>1/22/2025</a:t>
+              <a:t>1/24/2025</a:t>
             </a:fld>
             <a:endParaRPr lang="en-US"/>
           </a:p>
@@ -2378,7 +2383,7 @@
           <a:p>
             <a:fld id="{5EE91593-29BB-496B-965A-ADBF9B60A11F}" type="datetimeFigureOut">
               <a:rPr lang="en-US" smtClean="0"/>
-              <a:t>1/22/2025</a:t>
+              <a:t>1/24/2025</a:t>
             </a:fld>
             <a:endParaRPr lang="en-US"/>
           </a:p>
@@ -2666,7 +2671,7 @@
           <a:p>
             <a:fld id="{5EE91593-29BB-496B-965A-ADBF9B60A11F}" type="datetimeFigureOut">
               <a:rPr lang="en-US" smtClean="0"/>
-              <a:t>1/22/2025</a:t>
+              <a:t>1/24/2025</a:t>
             </a:fld>
             <a:endParaRPr lang="en-US"/>
           </a:p>
@@ -2907,7 +2912,7 @@
           <a:p>
             <a:fld id="{5EE91593-29BB-496B-965A-ADBF9B60A11F}" type="datetimeFigureOut">
               <a:rPr lang="en-US" smtClean="0"/>
-              <a:t>1/22/2025</a:t>
+              <a:t>1/24/2025</a:t>
             </a:fld>
             <a:endParaRPr lang="en-US"/>
           </a:p>
@@ -3382,7 +3387,7 @@
               <a:rPr lang="en-US" dirty="0">
                 <a:latin typeface="Aptos" panose="020B0004020202020204" pitchFamily="34" charset="0"/>
               </a:rPr>
-              <a:t>+ Session</a:t>
+              <a:t>+ Session (Day-IN Day-OFF)</a:t>
             </a:r>
           </a:p>
         </p:txBody>
